--- a/ゲーム制作課題「Breaking_UP」/仕様書/ステージ.pptx
+++ b/ゲーム制作課題「Breaking_UP」/仕様書/ステージ.pptx
@@ -273,7 +273,7 @@
           <a:p>
             <a:fld id="{0C5EF373-2179-47AB-BD60-D45E016B3381}" type="datetimeFigureOut">
               <a:rPr kumimoji="1" lang="ja-JP" altLang="en-US" smtClean="0"/>
-              <a:t>2026/2/4</a:t>
+              <a:t>2026/2/6</a:t>
             </a:fld>
             <a:endParaRPr kumimoji="1" lang="ja-JP" altLang="en-US"/>
           </a:p>
@@ -543,7 +543,7 @@
           <a:p>
             <a:fld id="{0C5EF373-2179-47AB-BD60-D45E016B3381}" type="datetimeFigureOut">
               <a:rPr kumimoji="1" lang="ja-JP" altLang="en-US" smtClean="0"/>
-              <a:t>2026/2/4</a:t>
+              <a:t>2026/2/6</a:t>
             </a:fld>
             <a:endParaRPr kumimoji="1" lang="ja-JP" altLang="en-US"/>
           </a:p>
@@ -813,7 +813,7 @@
           <a:p>
             <a:fld id="{0C5EF373-2179-47AB-BD60-D45E016B3381}" type="datetimeFigureOut">
               <a:rPr kumimoji="1" lang="ja-JP" altLang="en-US" smtClean="0"/>
-              <a:t>2026/2/4</a:t>
+              <a:t>2026/2/6</a:t>
             </a:fld>
             <a:endParaRPr kumimoji="1" lang="ja-JP" altLang="en-US"/>
           </a:p>
@@ -1083,7 +1083,7 @@
           <a:p>
             <a:fld id="{0C5EF373-2179-47AB-BD60-D45E016B3381}" type="datetimeFigureOut">
               <a:rPr kumimoji="1" lang="ja-JP" altLang="en-US" smtClean="0"/>
-              <a:t>2026/2/4</a:t>
+              <a:t>2026/2/6</a:t>
             </a:fld>
             <a:endParaRPr kumimoji="1" lang="ja-JP" altLang="en-US"/>
           </a:p>
@@ -1388,7 +1388,7 @@
           <a:p>
             <a:fld id="{0C5EF373-2179-47AB-BD60-D45E016B3381}" type="datetimeFigureOut">
               <a:rPr kumimoji="1" lang="ja-JP" altLang="en-US" smtClean="0"/>
-              <a:t>2026/2/4</a:t>
+              <a:t>2026/2/6</a:t>
             </a:fld>
             <a:endParaRPr kumimoji="1" lang="ja-JP" altLang="en-US"/>
           </a:p>
@@ -1755,7 +1755,7 @@
           <a:p>
             <a:fld id="{0C5EF373-2179-47AB-BD60-D45E016B3381}" type="datetimeFigureOut">
               <a:rPr kumimoji="1" lang="ja-JP" altLang="en-US" smtClean="0"/>
-              <a:t>2026/2/4</a:t>
+              <a:t>2026/2/6</a:t>
             </a:fld>
             <a:endParaRPr kumimoji="1" lang="ja-JP" altLang="en-US"/>
           </a:p>
@@ -2270,7 +2270,7 @@
           <a:p>
             <a:fld id="{0C5EF373-2179-47AB-BD60-D45E016B3381}" type="datetimeFigureOut">
               <a:rPr kumimoji="1" lang="ja-JP" altLang="en-US" smtClean="0"/>
-              <a:t>2026/2/4</a:t>
+              <a:t>2026/2/6</a:t>
             </a:fld>
             <a:endParaRPr kumimoji="1" lang="ja-JP" altLang="en-US"/>
           </a:p>
@@ -2443,7 +2443,7 @@
           <a:p>
             <a:fld id="{0C5EF373-2179-47AB-BD60-D45E016B3381}" type="datetimeFigureOut">
               <a:rPr kumimoji="1" lang="ja-JP" altLang="en-US" smtClean="0"/>
-              <a:t>2026/2/4</a:t>
+              <a:t>2026/2/6</a:t>
             </a:fld>
             <a:endParaRPr kumimoji="1" lang="ja-JP" altLang="en-US"/>
           </a:p>
@@ -2580,7 +2580,7 @@
           <a:p>
             <a:fld id="{0C5EF373-2179-47AB-BD60-D45E016B3381}" type="datetimeFigureOut">
               <a:rPr kumimoji="1" lang="ja-JP" altLang="en-US" smtClean="0"/>
-              <a:t>2026/2/4</a:t>
+              <a:t>2026/2/6</a:t>
             </a:fld>
             <a:endParaRPr kumimoji="1" lang="ja-JP" altLang="en-US"/>
           </a:p>
@@ -2956,7 +2956,7 @@
           <a:p>
             <a:fld id="{0C5EF373-2179-47AB-BD60-D45E016B3381}" type="datetimeFigureOut">
               <a:rPr kumimoji="1" lang="ja-JP" altLang="en-US" smtClean="0"/>
-              <a:t>2026/2/4</a:t>
+              <a:t>2026/2/6</a:t>
             </a:fld>
             <a:endParaRPr kumimoji="1" lang="ja-JP" altLang="en-US"/>
           </a:p>
@@ -3277,7 +3277,7 @@
           <a:p>
             <a:fld id="{0C5EF373-2179-47AB-BD60-D45E016B3381}" type="datetimeFigureOut">
               <a:rPr kumimoji="1" lang="ja-JP" altLang="en-US" smtClean="0"/>
-              <a:t>2026/2/4</a:t>
+              <a:t>2026/2/6</a:t>
             </a:fld>
             <a:endParaRPr kumimoji="1" lang="ja-JP" altLang="en-US"/>
           </a:p>
@@ -3723,8 +3723,8 @@
         </p:nvSpPr>
         <p:spPr>
           <a:xfrm>
-            <a:off x="519952" y="1516664"/>
-            <a:ext cx="10901083" cy="5078313"/>
+            <a:off x="403412" y="1651590"/>
+            <a:ext cx="10901083" cy="3554819"/>
           </a:xfrm>
           <a:prstGeom prst="rect">
             <a:avLst/>
@@ -3737,6 +3737,11 @@
           </a:bodyPr>
           <a:lstStyle/>
           <a:p>
+            <a:pPr>
+              <a:lnSpc>
+                <a:spcPts val="3000"/>
+              </a:lnSpc>
+            </a:pPr>
             <a:r>
               <a:rPr lang="ja-JP" altLang="en-US" sz="3600" dirty="0"/>
               <a:t>上スクロール</a:t>
@@ -3744,9 +3749,19 @@
             <a:endParaRPr lang="en-US" altLang="ja-JP" sz="3600" dirty="0"/>
           </a:p>
           <a:p>
+            <a:pPr>
+              <a:lnSpc>
+                <a:spcPts val="3000"/>
+              </a:lnSpc>
+            </a:pPr>
             <a:endParaRPr lang="en-US" altLang="ja-JP" sz="3600" dirty="0"/>
           </a:p>
           <a:p>
+            <a:pPr>
+              <a:lnSpc>
+                <a:spcPts val="3000"/>
+              </a:lnSpc>
+            </a:pPr>
             <a:r>
               <a:rPr lang="ja-JP" altLang="en-US" sz="3600" dirty="0"/>
               <a:t>長めの１ステージ</a:t>
@@ -3754,9 +3769,19 @@
             <a:endParaRPr lang="en-US" altLang="ja-JP" sz="3600" dirty="0"/>
           </a:p>
           <a:p>
+            <a:pPr>
+              <a:lnSpc>
+                <a:spcPts val="3000"/>
+              </a:lnSpc>
+            </a:pPr>
             <a:endParaRPr lang="en-US" altLang="ja-JP" sz="3600" dirty="0"/>
           </a:p>
           <a:p>
+            <a:pPr>
+              <a:lnSpc>
+                <a:spcPts val="3000"/>
+              </a:lnSpc>
+            </a:pPr>
             <a:r>
               <a:rPr lang="ja-JP" altLang="en-US" sz="3600" dirty="0"/>
               <a:t>プレイヤー、敵、弾、ブロック、旗、コインが存在している</a:t>
@@ -3764,9 +3789,19 @@
             <a:endParaRPr lang="en-US" altLang="ja-JP" sz="3600" dirty="0"/>
           </a:p>
           <a:p>
+            <a:pPr>
+              <a:lnSpc>
+                <a:spcPts val="3000"/>
+              </a:lnSpc>
+            </a:pPr>
             <a:endParaRPr lang="en-US" altLang="ja-JP" sz="3600" dirty="0"/>
           </a:p>
           <a:p>
+            <a:pPr>
+              <a:lnSpc>
+                <a:spcPts val="3000"/>
+              </a:lnSpc>
+            </a:pPr>
             <a:r>
               <a:rPr kumimoji="1" lang="ja-JP" altLang="en-US" sz="3600" dirty="0"/>
               <a:t>プレイヤーがコインを一定数集めるとクリア画面に移行</a:t>
@@ -3774,9 +3809,19 @@
             <a:endParaRPr kumimoji="1" lang="en-US" altLang="ja-JP" sz="3600" dirty="0"/>
           </a:p>
           <a:p>
+            <a:pPr>
+              <a:lnSpc>
+                <a:spcPts val="3000"/>
+              </a:lnSpc>
+            </a:pPr>
             <a:endParaRPr kumimoji="1" lang="en-US" altLang="ja-JP" sz="3600" dirty="0"/>
           </a:p>
           <a:p>
+            <a:pPr>
+              <a:lnSpc>
+                <a:spcPts val="3000"/>
+              </a:lnSpc>
+            </a:pPr>
             <a:r>
               <a:rPr kumimoji="1" lang="ja-JP" altLang="en-US" sz="3600" dirty="0"/>
               <a:t>画面の端に何ｍ登ったか等のスコアを表示</a:t>
@@ -3800,15 +3845,14 @@
         <p:spPr>
           <a:xfrm>
             <a:off x="403412" y="331694"/>
-            <a:ext cx="5316070" cy="1004047"/>
+            <a:ext cx="5316070" cy="1184970"/>
           </a:xfrm>
           <a:prstGeom prst="parallelogram">
             <a:avLst/>
           </a:prstGeom>
           <a:solidFill>
             <a:schemeClr val="accent1">
-              <a:lumMod val="60000"/>
-              <a:lumOff val="40000"/>
+              <a:lumMod val="75000"/>
             </a:schemeClr>
           </a:solidFill>
           <a:ln>
@@ -3834,7 +3878,11 @@
           <a:lstStyle/>
           <a:p>
             <a:r>
-              <a:rPr kumimoji="1" lang="ja-JP" altLang="en-US" sz="6000" dirty="0"/>
+              <a:rPr kumimoji="1" lang="ja-JP" altLang="en-US" sz="6000" dirty="0">
+                <a:solidFill>
+                  <a:schemeClr val="bg1"/>
+                </a:solidFill>
+              </a:rPr>
               <a:t>ステージ</a:t>
             </a:r>
           </a:p>
